--- a/Notes/Module 1 Part2.pptx
+++ b/Notes/Module 1 Part2.pptx
@@ -31,6 +31,7 @@
     <p:sldId id="279" r:id="rId25"/>
     <p:sldId id="280" r:id="rId26"/>
     <p:sldId id="281" r:id="rId27"/>
+    <p:sldId id="282" r:id="rId28"/>
   </p:sldIdLst>
   <p:sldSz cx="12192000" cy="6858000"/>
   <p:notesSz cx="6858000" cy="9144000"/>
@@ -516,7 +517,7 @@
           <a:p>
             <a:fld id="{A57659C8-0329-4C27-A053-A30FD06D342C}" type="datetimeFigureOut">
               <a:rPr lang="zh-CN" altLang="en-US" smtClean="0"/>
-              <a:t>2022/5/12</a:t>
+              <a:t>2022/5/19</a:t>
             </a:fld>
             <a:endParaRPr lang="zh-CN" altLang="en-US"/>
           </a:p>
@@ -716,7 +717,7 @@
           <a:p>
             <a:fld id="{A57659C8-0329-4C27-A053-A30FD06D342C}" type="datetimeFigureOut">
               <a:rPr lang="zh-CN" altLang="en-US" smtClean="0"/>
-              <a:t>2022/5/12</a:t>
+              <a:t>2022/5/19</a:t>
             </a:fld>
             <a:endParaRPr lang="zh-CN" altLang="en-US"/>
           </a:p>
@@ -926,7 +927,7 @@
           <a:p>
             <a:fld id="{A57659C8-0329-4C27-A053-A30FD06D342C}" type="datetimeFigureOut">
               <a:rPr lang="zh-CN" altLang="en-US" smtClean="0"/>
-              <a:t>2022/5/12</a:t>
+              <a:t>2022/5/19</a:t>
             </a:fld>
             <a:endParaRPr lang="zh-CN" altLang="en-US"/>
           </a:p>
@@ -1126,7 +1127,7 @@
           <a:p>
             <a:fld id="{A57659C8-0329-4C27-A053-A30FD06D342C}" type="datetimeFigureOut">
               <a:rPr lang="zh-CN" altLang="en-US" smtClean="0"/>
-              <a:t>2022/5/12</a:t>
+              <a:t>2022/5/19</a:t>
             </a:fld>
             <a:endParaRPr lang="zh-CN" altLang="en-US"/>
           </a:p>
@@ -1402,7 +1403,7 @@
           <a:p>
             <a:fld id="{A57659C8-0329-4C27-A053-A30FD06D342C}" type="datetimeFigureOut">
               <a:rPr lang="zh-CN" altLang="en-US" smtClean="0"/>
-              <a:t>2022/5/12</a:t>
+              <a:t>2022/5/19</a:t>
             </a:fld>
             <a:endParaRPr lang="zh-CN" altLang="en-US"/>
           </a:p>
@@ -1670,7 +1671,7 @@
           <a:p>
             <a:fld id="{A57659C8-0329-4C27-A053-A30FD06D342C}" type="datetimeFigureOut">
               <a:rPr lang="zh-CN" altLang="en-US" smtClean="0"/>
-              <a:t>2022/5/12</a:t>
+              <a:t>2022/5/19</a:t>
             </a:fld>
             <a:endParaRPr lang="zh-CN" altLang="en-US"/>
           </a:p>
@@ -2085,7 +2086,7 @@
           <a:p>
             <a:fld id="{A57659C8-0329-4C27-A053-A30FD06D342C}" type="datetimeFigureOut">
               <a:rPr lang="zh-CN" altLang="en-US" smtClean="0"/>
-              <a:t>2022/5/12</a:t>
+              <a:t>2022/5/19</a:t>
             </a:fld>
             <a:endParaRPr lang="zh-CN" altLang="en-US"/>
           </a:p>
@@ -2227,7 +2228,7 @@
           <a:p>
             <a:fld id="{A57659C8-0329-4C27-A053-A30FD06D342C}" type="datetimeFigureOut">
               <a:rPr lang="zh-CN" altLang="en-US" smtClean="0"/>
-              <a:t>2022/5/12</a:t>
+              <a:t>2022/5/19</a:t>
             </a:fld>
             <a:endParaRPr lang="zh-CN" altLang="en-US"/>
           </a:p>
@@ -2340,7 +2341,7 @@
           <a:p>
             <a:fld id="{A57659C8-0329-4C27-A053-A30FD06D342C}" type="datetimeFigureOut">
               <a:rPr lang="zh-CN" altLang="en-US" smtClean="0"/>
-              <a:t>2022/5/12</a:t>
+              <a:t>2022/5/19</a:t>
             </a:fld>
             <a:endParaRPr lang="zh-CN" altLang="en-US"/>
           </a:p>
@@ -2653,7 +2654,7 @@
           <a:p>
             <a:fld id="{A57659C8-0329-4C27-A053-A30FD06D342C}" type="datetimeFigureOut">
               <a:rPr lang="zh-CN" altLang="en-US" smtClean="0"/>
-              <a:t>2022/5/12</a:t>
+              <a:t>2022/5/19</a:t>
             </a:fld>
             <a:endParaRPr lang="zh-CN" altLang="en-US"/>
           </a:p>
@@ -2942,7 +2943,7 @@
           <a:p>
             <a:fld id="{A57659C8-0329-4C27-A053-A30FD06D342C}" type="datetimeFigureOut">
               <a:rPr lang="zh-CN" altLang="en-US" smtClean="0"/>
-              <a:t>2022/5/12</a:t>
+              <a:t>2022/5/19</a:t>
             </a:fld>
             <a:endParaRPr lang="zh-CN" altLang="en-US"/>
           </a:p>
@@ -3185,7 +3186,7 @@
           <a:p>
             <a:fld id="{A57659C8-0329-4C27-A053-A30FD06D342C}" type="datetimeFigureOut">
               <a:rPr lang="zh-CN" altLang="en-US" smtClean="0"/>
-              <a:t>2022/5/12</a:t>
+              <a:t>2022/5/19</a:t>
             </a:fld>
             <a:endParaRPr lang="zh-CN" altLang="en-US"/>
           </a:p>
@@ -5704,6 +5705,150 @@
 </p:sld>
 </file>
 
+<file path=ppt/slides/slide27.xml><?xml version="1.0" encoding="utf-8"?>
+<p:sld xmlns:a="http://schemas.openxmlformats.org/drawingml/2006/main" xmlns:r="http://schemas.openxmlformats.org/officeDocument/2006/relationships" xmlns:p="http://schemas.openxmlformats.org/presentationml/2006/main">
+  <p:cSld>
+    <p:spTree>
+      <p:nvGrpSpPr>
+        <p:cNvPr id="1" name=""/>
+        <p:cNvGrpSpPr/>
+        <p:nvPr/>
+      </p:nvGrpSpPr>
+      <p:grpSpPr>
+        <a:xfrm>
+          <a:off x="0" y="0"/>
+          <a:ext cx="0" cy="0"/>
+          <a:chOff x="0" y="0"/>
+          <a:chExt cx="0" cy="0"/>
+        </a:xfrm>
+      </p:grpSpPr>
+      <p:pic>
+        <p:nvPicPr>
+          <p:cNvPr id="3" name="Picture 2">
+            <a:extLst>
+              <a:ext uri="{FF2B5EF4-FFF2-40B4-BE49-F238E27FC236}">
+                <a16:creationId xmlns:a16="http://schemas.microsoft.com/office/drawing/2014/main" id="{08D1C498-3657-17C2-3B74-7A690FBCE785}"/>
+              </a:ext>
+            </a:extLst>
+          </p:cNvPr>
+          <p:cNvPicPr>
+            <a:picLocks noChangeAspect="1"/>
+          </p:cNvPicPr>
+          <p:nvPr/>
+        </p:nvPicPr>
+        <p:blipFill>
+          <a:blip r:embed="rId2"/>
+          <a:stretch>
+            <a:fillRect/>
+          </a:stretch>
+        </p:blipFill>
+        <p:spPr>
+          <a:xfrm>
+            <a:off x="107258" y="358861"/>
+            <a:ext cx="10843771" cy="6683461"/>
+          </a:xfrm>
+          <a:prstGeom prst="rect">
+            <a:avLst/>
+          </a:prstGeom>
+        </p:spPr>
+      </p:pic>
+      <p:sp>
+        <p:nvSpPr>
+          <p:cNvPr id="4" name="TextBox 3">
+            <a:extLst>
+              <a:ext uri="{FF2B5EF4-FFF2-40B4-BE49-F238E27FC236}">
+                <a16:creationId xmlns:a16="http://schemas.microsoft.com/office/drawing/2014/main" id="{43C83D75-7FDE-D716-F2EE-56B2ED40A884}"/>
+              </a:ext>
+            </a:extLst>
+          </p:cNvPr>
+          <p:cNvSpPr txBox="1"/>
+          <p:nvPr/>
+        </p:nvSpPr>
+        <p:spPr>
+          <a:xfrm>
+            <a:off x="6945086" y="1306286"/>
+            <a:ext cx="3156857" cy="646331"/>
+          </a:xfrm>
+          <a:prstGeom prst="rect">
+            <a:avLst/>
+          </a:prstGeom>
+          <a:noFill/>
+        </p:spPr>
+        <p:txBody>
+          <a:bodyPr wrap="square" rtlCol="0">
+            <a:spAutoFit/>
+          </a:bodyPr>
+          <a:lstStyle/>
+          <a:p>
+            <a:r>
+              <a:rPr lang="en-US" altLang="zh-CN" dirty="0"/>
+              <a:t>Always use </a:t>
+            </a:r>
+            <a:r>
+              <a:rPr lang="en-US" altLang="zh-CN" dirty="0" err="1"/>
+              <a:t>conda</a:t>
+            </a:r>
+            <a:r>
+              <a:rPr lang="en-US" altLang="zh-CN" dirty="0"/>
+              <a:t> to install , no pip</a:t>
+            </a:r>
+            <a:endParaRPr lang="zh-CN" altLang="en-US" dirty="0"/>
+          </a:p>
+        </p:txBody>
+      </p:sp>
+      <p:sp>
+        <p:nvSpPr>
+          <p:cNvPr id="5" name="TextBox 4">
+            <a:extLst>
+              <a:ext uri="{FF2B5EF4-FFF2-40B4-BE49-F238E27FC236}">
+                <a16:creationId xmlns:a16="http://schemas.microsoft.com/office/drawing/2014/main" id="{3D0F3C4B-4514-0BCD-25B6-78C6238B8BFE}"/>
+              </a:ext>
+            </a:extLst>
+          </p:cNvPr>
+          <p:cNvSpPr txBox="1"/>
+          <p:nvPr/>
+        </p:nvSpPr>
+        <p:spPr>
+          <a:xfrm>
+            <a:off x="7293429" y="3091543"/>
+            <a:ext cx="3461657" cy="1200329"/>
+          </a:xfrm>
+          <a:prstGeom prst="rect">
+            <a:avLst/>
+          </a:prstGeom>
+          <a:noFill/>
+        </p:spPr>
+        <p:txBody>
+          <a:bodyPr wrap="square" rtlCol="0">
+            <a:spAutoFit/>
+          </a:bodyPr>
+          <a:lstStyle/>
+          <a:p>
+            <a:r>
+              <a:rPr lang="en-US" altLang="zh-CN" dirty="0" err="1"/>
+              <a:t>Conda</a:t>
+            </a:r>
+            <a:r>
+              <a:rPr lang="en-US" altLang="zh-CN" dirty="0"/>
+              <a:t> will make sure there is no crash between libraries, will make sure these libraries are independents with each other</a:t>
+            </a:r>
+            <a:endParaRPr lang="zh-CN" altLang="en-US" dirty="0"/>
+          </a:p>
+        </p:txBody>
+      </p:sp>
+    </p:spTree>
+    <p:extLst>
+      <p:ext uri="{BB962C8B-B14F-4D97-AF65-F5344CB8AC3E}">
+        <p14:creationId xmlns:p14="http://schemas.microsoft.com/office/powerpoint/2010/main" val="1196449287"/>
+      </p:ext>
+    </p:extLst>
+  </p:cSld>
+  <p:clrMapOvr>
+    <a:masterClrMapping/>
+  </p:clrMapOvr>
+</p:sld>
+</file>
+
 <file path=ppt/slides/slide3.xml><?xml version="1.0" encoding="utf-8"?>
 <p:sld xmlns:a="http://schemas.openxmlformats.org/drawingml/2006/main" xmlns:r="http://schemas.openxmlformats.org/officeDocument/2006/relationships" xmlns:p="http://schemas.openxmlformats.org/presentationml/2006/main">
   <p:cSld>
